--- a/HW1/HW1_template.pptx
+++ b/HW1/HW1_template.pptx
@@ -112,6 +112,11 @@
       </a:defRPr>
     </a:lvl9pPr>
   </p:defaultTextStyle>
+  <p:extLst>
+    <p:ext uri="{EFAFB233-063F-42B5-8137-9DF3F51BA10A}">
+      <p15:sldGuideLst xmlns:p15="http://schemas.microsoft.com/office/powerpoint/2012/main"/>
+    </p:ext>
+  </p:extLst>
 </p:presentation>
 </file>
 
@@ -262,7 +267,7 @@
           <a:p>
             <a:fld id="{6E1FC157-18D4-5445-B593-6C7867B292B9}" type="datetimeFigureOut">
               <a:rPr lang="en-US" smtClean="0"/>
-              <a:t>2/9/20</a:t>
+              <a:t>2/17/20</a:t>
             </a:fld>
             <a:endParaRPr lang="en-US"/>
           </a:p>
@@ -460,7 +465,7 @@
           <a:p>
             <a:fld id="{6E1FC157-18D4-5445-B593-6C7867B292B9}" type="datetimeFigureOut">
               <a:rPr lang="en-US" smtClean="0"/>
-              <a:t>2/9/20</a:t>
+              <a:t>2/17/20</a:t>
             </a:fld>
             <a:endParaRPr lang="en-US"/>
           </a:p>
@@ -668,7 +673,7 @@
           <a:p>
             <a:fld id="{6E1FC157-18D4-5445-B593-6C7867B292B9}" type="datetimeFigureOut">
               <a:rPr lang="en-US" smtClean="0"/>
-              <a:t>2/9/20</a:t>
+              <a:t>2/17/20</a:t>
             </a:fld>
             <a:endParaRPr lang="en-US"/>
           </a:p>
@@ -866,7 +871,7 @@
           <a:p>
             <a:fld id="{6E1FC157-18D4-5445-B593-6C7867B292B9}" type="datetimeFigureOut">
               <a:rPr lang="en-US" smtClean="0"/>
-              <a:t>2/9/20</a:t>
+              <a:t>2/17/20</a:t>
             </a:fld>
             <a:endParaRPr lang="en-US"/>
           </a:p>
@@ -1141,7 +1146,7 @@
           <a:p>
             <a:fld id="{6E1FC157-18D4-5445-B593-6C7867B292B9}" type="datetimeFigureOut">
               <a:rPr lang="en-US" smtClean="0"/>
-              <a:t>2/9/20</a:t>
+              <a:t>2/17/20</a:t>
             </a:fld>
             <a:endParaRPr lang="en-US"/>
           </a:p>
@@ -1406,7 +1411,7 @@
           <a:p>
             <a:fld id="{6E1FC157-18D4-5445-B593-6C7867B292B9}" type="datetimeFigureOut">
               <a:rPr lang="en-US" smtClean="0"/>
-              <a:t>2/9/20</a:t>
+              <a:t>2/17/20</a:t>
             </a:fld>
             <a:endParaRPr lang="en-US"/>
           </a:p>
@@ -1818,7 +1823,7 @@
           <a:p>
             <a:fld id="{6E1FC157-18D4-5445-B593-6C7867B292B9}" type="datetimeFigureOut">
               <a:rPr lang="en-US" smtClean="0"/>
-              <a:t>2/9/20</a:t>
+              <a:t>2/17/20</a:t>
             </a:fld>
             <a:endParaRPr lang="en-US"/>
           </a:p>
@@ -1959,7 +1964,7 @@
           <a:p>
             <a:fld id="{6E1FC157-18D4-5445-B593-6C7867B292B9}" type="datetimeFigureOut">
               <a:rPr lang="en-US" smtClean="0"/>
-              <a:t>2/9/20</a:t>
+              <a:t>2/17/20</a:t>
             </a:fld>
             <a:endParaRPr lang="en-US"/>
           </a:p>
@@ -2072,7 +2077,7 @@
           <a:p>
             <a:fld id="{6E1FC157-18D4-5445-B593-6C7867B292B9}" type="datetimeFigureOut">
               <a:rPr lang="en-US" smtClean="0"/>
-              <a:t>2/9/20</a:t>
+              <a:t>2/17/20</a:t>
             </a:fld>
             <a:endParaRPr lang="en-US"/>
           </a:p>
@@ -2383,7 +2388,7 @@
           <a:p>
             <a:fld id="{6E1FC157-18D4-5445-B593-6C7867B292B9}" type="datetimeFigureOut">
               <a:rPr lang="en-US" smtClean="0"/>
-              <a:t>2/9/20</a:t>
+              <a:t>2/17/20</a:t>
             </a:fld>
             <a:endParaRPr lang="en-US"/>
           </a:p>
@@ -2671,7 +2676,7 @@
           <a:p>
             <a:fld id="{6E1FC157-18D4-5445-B593-6C7867B292B9}" type="datetimeFigureOut">
               <a:rPr lang="en-US" smtClean="0"/>
-              <a:t>2/9/20</a:t>
+              <a:t>2/17/20</a:t>
             </a:fld>
             <a:endParaRPr lang="en-US"/>
           </a:p>
@@ -2912,7 +2917,7 @@
           <a:p>
             <a:fld id="{6E1FC157-18D4-5445-B593-6C7867B292B9}" type="datetimeFigureOut">
               <a:rPr lang="en-US" smtClean="0"/>
-              <a:t>2/9/20</a:t>
+              <a:t>2/17/20</a:t>
             </a:fld>
             <a:endParaRPr lang="en-US"/>
           </a:p>
@@ -3387,7 +3392,7 @@
           <a:p>
             <a:r>
               <a:rPr lang="en-US" dirty="0"/>
-              <a:t>Name: </a:t>
+              <a:t>Name: Gowtham Kuntumalla</a:t>
             </a:r>
           </a:p>
           <a:p>
@@ -3397,13 +3402,13 @@
             </a:r>
             <a:r>
               <a:rPr lang="en-US" dirty="0"/>
-              <a:t>: </a:t>
+              <a:t>: gowtham4</a:t>
             </a:r>
           </a:p>
           <a:p>
             <a:r>
               <a:rPr lang="en-US" dirty="0"/>
-              <a:t>Registration Status: </a:t>
+              <a:t>Registration Status: registered for 4 credits, ECE 498</a:t>
             </a:r>
           </a:p>
         </p:txBody>
@@ -3482,9 +3487,16 @@
             <p:ph idx="1"/>
           </p:nvPr>
         </p:nvSpPr>
-        <p:spPr/>
-        <p:txBody>
-          <a:bodyPr/>
+        <p:spPr>
+          <a:xfrm>
+            <a:off x="838200" y="1458410"/>
+            <a:ext cx="10515600" cy="4718553"/>
+          </a:xfrm>
+        </p:spPr>
+        <p:txBody>
+          <a:bodyPr>
+            <a:normAutofit/>
+          </a:bodyPr>
           <a:lstStyle/>
           <a:p>
             <a:r>
@@ -3500,8 +3512,114 @@
               <a:t>) diagram and (ii) brief explanation of the data structure you used to parse the raw log file</a:t>
             </a:r>
           </a:p>
-        </p:txBody>
-      </p:sp>
+          <a:p>
+            <a:endParaRPr lang="en-US" dirty="0"/>
+          </a:p>
+          <a:p>
+            <a:endParaRPr lang="en-US" dirty="0"/>
+          </a:p>
+          <a:p>
+            <a:endParaRPr lang="en-US" dirty="0"/>
+          </a:p>
+          <a:p>
+            <a:endParaRPr lang="en-US" dirty="0"/>
+          </a:p>
+          <a:p>
+            <a:endParaRPr lang="en-US" dirty="0"/>
+          </a:p>
+          <a:p>
+            <a:r>
+              <a:rPr lang="en-US" dirty="0"/>
+              <a:t>Dictionary to hold a list of </a:t>
+            </a:r>
+            <a:r>
+              <a:rPr lang="en-US" dirty="0" err="1"/>
+              <a:t>backtraces</a:t>
+            </a:r>
+            <a:r>
+              <a:rPr lang="en-US" dirty="0"/>
+              <a:t> for each </a:t>
+            </a:r>
+            <a:r>
+              <a:rPr lang="en-US" dirty="0" err="1"/>
+              <a:t>pagefault</a:t>
+            </a:r>
+            <a:r>
+              <a:rPr lang="en-US" dirty="0"/>
+              <a:t> </a:t>
+            </a:r>
+          </a:p>
+          <a:p>
+            <a:pPr lvl="1"/>
+            <a:r>
+              <a:rPr lang="en-US" dirty="0"/>
+              <a:t>key = tuple (</a:t>
+            </a:r>
+            <a:r>
+              <a:rPr lang="en-US" dirty="0" err="1"/>
+              <a:t>pagefault</a:t>
+            </a:r>
+            <a:r>
+              <a:rPr lang="en-US" dirty="0"/>
+              <a:t> details) -- Tuple</a:t>
+            </a:r>
+          </a:p>
+          <a:p>
+            <a:pPr lvl="1"/>
+            <a:r>
+              <a:rPr lang="en-US" dirty="0"/>
+              <a:t>value = list (</a:t>
+            </a:r>
+            <a:r>
+              <a:rPr lang="en-US" dirty="0" err="1"/>
+              <a:t>backtraces</a:t>
+            </a:r>
+            <a:r>
+              <a:rPr lang="en-US" dirty="0"/>
+              <a:t>) -- 2D list</a:t>
+            </a:r>
+          </a:p>
+          <a:p>
+            <a:endParaRPr lang="en-US" dirty="0"/>
+          </a:p>
+          <a:p>
+            <a:pPr marL="0" indent="0">
+              <a:buNone/>
+            </a:pPr>
+            <a:endParaRPr lang="en-US" dirty="0"/>
+          </a:p>
+        </p:txBody>
+      </p:sp>
+      <p:pic>
+        <p:nvPicPr>
+          <p:cNvPr id="5" name="Picture 4" descr="A close up of a newspaper&#10;&#10;Description automatically generated">
+            <a:extLst>
+              <a:ext uri="{FF2B5EF4-FFF2-40B4-BE49-F238E27FC236}">
+                <a16:creationId xmlns:a16="http://schemas.microsoft.com/office/drawing/2014/main" id="{1FBAE58E-8362-6C48-A5FD-92EDF5949969}"/>
+              </a:ext>
+            </a:extLst>
+          </p:cNvPr>
+          <p:cNvPicPr>
+            <a:picLocks noChangeAspect="1"/>
+          </p:cNvPicPr>
+          <p:nvPr/>
+        </p:nvPicPr>
+        <p:blipFill>
+          <a:blip r:embed="rId2"/>
+          <a:stretch>
+            <a:fillRect/>
+          </a:stretch>
+        </p:blipFill>
+        <p:spPr>
+          <a:xfrm>
+            <a:off x="1143000" y="2383597"/>
+            <a:ext cx="9309100" cy="2366468"/>
+          </a:xfrm>
+          <a:prstGeom prst="rect">
+            <a:avLst/>
+          </a:prstGeom>
+        </p:spPr>
+      </p:pic>
     </p:spTree>
     <p:extLst>
       <p:ext uri="{BB962C8B-B14F-4D97-AF65-F5344CB8AC3E}">
@@ -3587,19 +3705,27 @@
           <a:p>
             <a:r>
               <a:rPr lang="en-US" dirty="0"/>
-              <a:t>Start Time: </a:t>
+              <a:t>Start Time: 2017-10-01 00:01:09.251000</a:t>
             </a:r>
           </a:p>
           <a:p>
             <a:r>
               <a:rPr lang="en-US" dirty="0"/>
-              <a:t>End Time: </a:t>
+              <a:t>End Time: 2018-01-07 18:59:50.839000</a:t>
             </a:r>
           </a:p>
           <a:p>
             <a:r>
               <a:rPr lang="en-US" dirty="0"/>
               <a:t>Total Duration: </a:t>
+            </a:r>
+            <a:r>
+              <a:rPr lang="en-US" dirty="0" err="1"/>
+              <a:t>Timedelta</a:t>
+            </a:r>
+            <a:r>
+              <a:rPr lang="en-US" dirty="0"/>
+              <a:t>('98 days 18:58:41.588000')</a:t>
             </a:r>
           </a:p>
         </p:txBody>
@@ -3650,7 +3776,12 @@
             <p:ph type="title"/>
           </p:nvPr>
         </p:nvSpPr>
-        <p:spPr/>
+        <p:spPr>
+          <a:xfrm>
+            <a:off x="699303" y="0"/>
+            <a:ext cx="10515600" cy="1325563"/>
+          </a:xfrm>
+        </p:spPr>
         <p:txBody>
           <a:bodyPr/>
           <a:lstStyle/>
@@ -3682,36 +3813,261 @@
             <p:ph idx="1"/>
           </p:nvPr>
         </p:nvSpPr>
-        <p:spPr/>
-        <p:txBody>
-          <a:bodyPr/>
-          <a:lstStyle/>
-          <a:p>
+        <p:spPr>
+          <a:xfrm>
+            <a:off x="0" y="1030147"/>
+            <a:ext cx="12107119" cy="5827853"/>
+          </a:xfrm>
+        </p:spPr>
+        <p:txBody>
+          <a:bodyPr>
+            <a:normAutofit lnSpcReduction="10000"/>
+          </a:bodyPr>
+          <a:lstStyle/>
+          <a:p>
+            <a:pPr lvl="1"/>
             <a:r>
               <a:rPr lang="en-US" dirty="0"/>
-              <a:t>Include</a:t>
+              <a:t>The number of unique processes :12</a:t>
             </a:r>
           </a:p>
           <a:p>
             <a:pPr lvl="1"/>
             <a:r>
               <a:rPr lang="en-US" dirty="0"/>
-              <a:t>The number of unique processes</a:t>
+              <a:t>The name of each process: ['</a:t>
+            </a:r>
+            <a:r>
+              <a:rPr lang="en-US" dirty="0" err="1"/>
+              <a:t>firefox</a:t>
+            </a:r>
+            <a:r>
+              <a:rPr lang="en-US" dirty="0"/>
+              <a:t>' 'thunderbird' 'watchdog' '</a:t>
+            </a:r>
+            <a:r>
+              <a:rPr lang="en-US" dirty="0" err="1"/>
+              <a:t>auditd</a:t>
+            </a:r>
+            <a:r>
+              <a:rPr lang="en-US" dirty="0"/>
+              <a:t>' '</a:t>
+            </a:r>
+            <a:r>
+              <a:rPr lang="en-US" dirty="0" err="1"/>
+              <a:t>subl</a:t>
+            </a:r>
+            <a:r>
+              <a:rPr lang="en-US" dirty="0"/>
+              <a:t>' '</a:t>
+            </a:r>
+            <a:r>
+              <a:rPr lang="en-US" dirty="0" err="1"/>
+              <a:t>gitlab</a:t>
+            </a:r>
+            <a:r>
+              <a:rPr lang="en-US" dirty="0"/>
+              <a:t>-runner' '</a:t>
+            </a:r>
+            <a:r>
+              <a:rPr lang="en-US" dirty="0" err="1"/>
+              <a:t>sshd</a:t>
+            </a:r>
+            <a:r>
+              <a:rPr lang="en-US" dirty="0"/>
+              <a:t>' 'google-chrome' 'bash' '</a:t>
+            </a:r>
+            <a:r>
+              <a:rPr lang="en-US" dirty="0" err="1"/>
+              <a:t>tmux</a:t>
+            </a:r>
+            <a:r>
+              <a:rPr lang="en-US" dirty="0"/>
+              <a:t>' '</a:t>
+            </a:r>
+            <a:r>
+              <a:rPr lang="en-US" dirty="0" err="1"/>
+              <a:t>xorg</a:t>
+            </a:r>
+            <a:r>
+              <a:rPr lang="en-US" dirty="0"/>
+              <a:t>' '</a:t>
+            </a:r>
+            <a:r>
+              <a:rPr lang="en-US" dirty="0" err="1"/>
+              <a:t>htop</a:t>
+            </a:r>
+            <a:r>
+              <a:rPr lang="en-US" dirty="0"/>
+              <a:t>']</a:t>
             </a:r>
           </a:p>
           <a:p>
             <a:pPr lvl="1"/>
             <a:r>
               <a:rPr lang="en-US" dirty="0"/>
-              <a:t>The name of each process</a:t>
+              <a:t>The number of times each process was executed:</a:t>
+            </a:r>
+          </a:p>
+          <a:p>
+            <a:pPr marL="914400" lvl="1" indent="-457200">
+              <a:buFont typeface="+mj-lt"/>
+              <a:buAutoNum type="arabicPeriod"/>
+            </a:pPr>
+            <a:r>
+              <a:rPr lang="en-US" dirty="0" err="1"/>
+              <a:t>auditd</a:t>
+            </a:r>
+            <a:r>
+              <a:rPr lang="en-US" dirty="0"/>
+              <a:t> 228982 </a:t>
+            </a:r>
+          </a:p>
+          <a:p>
+            <a:pPr marL="914400" lvl="1" indent="-457200">
+              <a:buFont typeface="+mj-lt"/>
+              <a:buAutoNum type="arabicPeriod"/>
+            </a:pPr>
+            <a:r>
+              <a:rPr lang="en-US" dirty="0"/>
+              <a:t>bash 229904 </a:t>
+            </a:r>
+          </a:p>
+          <a:p>
+            <a:pPr marL="914400" lvl="1" indent="-457200">
+              <a:buFont typeface="+mj-lt"/>
+              <a:buAutoNum type="arabicPeriod"/>
+            </a:pPr>
+            <a:r>
+              <a:rPr lang="en-US" dirty="0" err="1"/>
+              <a:t>firefox</a:t>
+            </a:r>
+            <a:r>
+              <a:rPr lang="en-US" dirty="0"/>
+              <a:t> 233452 </a:t>
+            </a:r>
+          </a:p>
+          <a:p>
+            <a:pPr marL="914400" lvl="1" indent="-457200">
+              <a:buFont typeface="+mj-lt"/>
+              <a:buAutoNum type="arabicPeriod"/>
+            </a:pPr>
+            <a:r>
+              <a:rPr lang="en-US" dirty="0" err="1"/>
+              <a:t>gitlab</a:t>
+            </a:r>
+            <a:r>
+              <a:rPr lang="en-US" dirty="0"/>
+              <a:t>-runner 218405</a:t>
+            </a:r>
+          </a:p>
+          <a:p>
+            <a:pPr marL="914400" lvl="1" indent="-457200">
+              <a:buFont typeface="+mj-lt"/>
+              <a:buAutoNum type="arabicPeriod"/>
+            </a:pPr>
+            <a:r>
+              <a:rPr lang="en-US" dirty="0"/>
+              <a:t>google-chrome 238107 </a:t>
+            </a:r>
+          </a:p>
+          <a:p>
+            <a:pPr marL="914400" lvl="1" indent="-457200">
+              <a:buFont typeface="+mj-lt"/>
+              <a:buAutoNum type="arabicPeriod"/>
+            </a:pPr>
+            <a:r>
+              <a:rPr lang="en-US" dirty="0" err="1"/>
+              <a:t>htop</a:t>
+            </a:r>
+            <a:r>
+              <a:rPr lang="en-US" dirty="0"/>
+              <a:t> 232215 </a:t>
+            </a:r>
+          </a:p>
+          <a:p>
+            <a:pPr marL="914400" lvl="1" indent="-457200">
+              <a:buFont typeface="+mj-lt"/>
+              <a:buAutoNum type="arabicPeriod"/>
+            </a:pPr>
+            <a:r>
+              <a:rPr lang="en-US" dirty="0" err="1"/>
+              <a:t>sshd</a:t>
+            </a:r>
+            <a:r>
+              <a:rPr lang="en-US" dirty="0"/>
+              <a:t> 246903 </a:t>
+            </a:r>
+          </a:p>
+          <a:p>
+            <a:pPr marL="914400" lvl="1" indent="-457200">
+              <a:buFont typeface="+mj-lt"/>
+              <a:buAutoNum type="arabicPeriod"/>
+            </a:pPr>
+            <a:r>
+              <a:rPr lang="en-US" dirty="0" err="1"/>
+              <a:t>subl</a:t>
+            </a:r>
+            <a:r>
+              <a:rPr lang="en-US" dirty="0"/>
+              <a:t> 245982 </a:t>
+            </a:r>
+          </a:p>
+          <a:p>
+            <a:pPr marL="914400" lvl="1" indent="-457200">
+              <a:buFont typeface="+mj-lt"/>
+              <a:buAutoNum type="arabicPeriod"/>
+            </a:pPr>
+            <a:r>
+              <a:rPr lang="en-US" dirty="0"/>
+              <a:t>thunderbird 237590</a:t>
+            </a:r>
+          </a:p>
+          <a:p>
+            <a:pPr marL="914400" lvl="1" indent="-457200">
+              <a:buFont typeface="+mj-lt"/>
+              <a:buAutoNum type="arabicPeriod"/>
+            </a:pPr>
+            <a:r>
+              <a:rPr lang="en-US" dirty="0"/>
+              <a:t> </a:t>
+            </a:r>
+            <a:r>
+              <a:rPr lang="en-US" dirty="0" err="1"/>
+              <a:t>tmux</a:t>
+            </a:r>
+            <a:r>
+              <a:rPr lang="en-US" dirty="0"/>
+              <a:t> 219329 </a:t>
+            </a:r>
+          </a:p>
+          <a:p>
+            <a:pPr marL="914400" lvl="1" indent="-457200">
+              <a:buFont typeface="+mj-lt"/>
+              <a:buAutoNum type="arabicPeriod"/>
+            </a:pPr>
+            <a:r>
+              <a:rPr lang="en-US" dirty="0"/>
+              <a:t>watchdog 234938 </a:t>
+            </a:r>
+          </a:p>
+          <a:p>
+            <a:pPr marL="914400" lvl="1" indent="-457200">
+              <a:buFont typeface="+mj-lt"/>
+              <a:buAutoNum type="arabicPeriod"/>
+            </a:pPr>
+            <a:r>
+              <a:rPr lang="en-US" dirty="0" err="1"/>
+              <a:t>xorg</a:t>
+            </a:r>
+            <a:r>
+              <a:rPr lang="en-US" dirty="0"/>
+              <a:t> 243924</a:t>
             </a:r>
           </a:p>
           <a:p>
             <a:pPr lvl="1"/>
-            <a:r>
-              <a:rPr lang="en-US" dirty="0"/>
-              <a:t>The number of times each process was executed</a:t>
-            </a:r>
+            <a:endParaRPr lang="en-US" dirty="0"/>
           </a:p>
         </p:txBody>
       </p:sp>
@@ -3777,40 +4133,36 @@
           </a:p>
         </p:txBody>
       </p:sp>
-      <p:sp>
-        <p:nvSpPr>
-          <p:cNvPr id="3" name="Content Placeholder 2">
-            <a:extLst>
-              <a:ext uri="{FF2B5EF4-FFF2-40B4-BE49-F238E27FC236}">
-                <a16:creationId xmlns:a16="http://schemas.microsoft.com/office/drawing/2014/main" id="{AA278D1E-81E4-884E-9698-14DABBA6AC4C}"/>
-              </a:ext>
-            </a:extLst>
-          </p:cNvPr>
-          <p:cNvSpPr>
-            <a:spLocks noGrp="1"/>
-          </p:cNvSpPr>
-          <p:nvPr>
-            <p:ph idx="1"/>
-          </p:nvPr>
-        </p:nvSpPr>
-        <p:spPr/>
-        <p:txBody>
-          <a:bodyPr/>
-          <a:lstStyle/>
-          <a:p>
-            <a:r>
-              <a:rPr lang="en-US" dirty="0"/>
-              <a:t>Include a bar chart showing the number of major and minor page faults for each process</a:t>
-            </a:r>
-          </a:p>
-          <a:p>
-            <a:r>
-              <a:rPr lang="en-US" dirty="0"/>
-              <a:t>Remember to include axes labels and a title!</a:t>
-            </a:r>
-          </a:p>
-        </p:txBody>
-      </p:sp>
+      <p:pic>
+        <p:nvPicPr>
+          <p:cNvPr id="5" name="Picture 4" descr="A close up of a pencil&#10;&#10;Description automatically generated">
+            <a:extLst>
+              <a:ext uri="{FF2B5EF4-FFF2-40B4-BE49-F238E27FC236}">
+                <a16:creationId xmlns:a16="http://schemas.microsoft.com/office/drawing/2014/main" id="{5169C880-EF5A-E84A-8899-8CCB7B1F02AE}"/>
+              </a:ext>
+            </a:extLst>
+          </p:cNvPr>
+          <p:cNvPicPr>
+            <a:picLocks noChangeAspect="1"/>
+          </p:cNvPicPr>
+          <p:nvPr/>
+        </p:nvPicPr>
+        <p:blipFill>
+          <a:blip r:embed="rId2"/>
+          <a:stretch>
+            <a:fillRect/>
+          </a:stretch>
+        </p:blipFill>
+        <p:spPr>
+          <a:xfrm>
+            <a:off x="2129742" y="1646866"/>
+            <a:ext cx="6575706" cy="4846009"/>
+          </a:xfrm>
+          <a:prstGeom prst="rect">
+            <a:avLst/>
+          </a:prstGeom>
+        </p:spPr>
+      </p:pic>
     </p:spTree>
     <p:extLst>
       <p:ext uri="{BB962C8B-B14F-4D97-AF65-F5344CB8AC3E}">
@@ -3827,6 +4179,14 @@
 <file path=ppt/slides/slide6.xml><?xml version="1.0" encoding="utf-8"?>
 <p:sld xmlns:a="http://schemas.openxmlformats.org/drawingml/2006/main" xmlns:r="http://schemas.openxmlformats.org/officeDocument/2006/relationships" xmlns:p="http://schemas.openxmlformats.org/presentationml/2006/main">
   <p:cSld>
+    <p:bg>
+      <p:bgPr>
+        <a:solidFill>
+          <a:schemeClr val="bg1"/>
+        </a:solidFill>
+        <a:effectLst/>
+      </p:bgPr>
+    </p:bg>
     <p:spTree>
       <p:nvGrpSpPr>
         <p:cNvPr id="1" name=""/>
@@ -3843,6 +4203,71 @@
       </p:grpSpPr>
       <p:sp>
         <p:nvSpPr>
+          <p:cNvPr id="12" name="Rectangle 11">
+            <a:extLst>
+              <a:ext uri="{FF2B5EF4-FFF2-40B4-BE49-F238E27FC236}">
+                <a16:creationId xmlns:a16="http://schemas.microsoft.com/office/drawing/2014/main" id="{823AC064-BC96-4F32-8AE1-B2FD38754823}"/>
+              </a:ext>
+              <a:ext uri="{C183D7F6-B498-43B3-948B-1728B52AA6E4}">
+                <adec:decorative xmlns:adec="http://schemas.microsoft.com/office/drawing/2017/decorative" val="1"/>
+              </a:ext>
+            </a:extLst>
+          </p:cNvPr>
+          <p:cNvSpPr>
+            <a:spLocks noGrp="1" noRot="1" noChangeAspect="1" noMove="1" noResize="1" noEditPoints="1" noAdjustHandles="1" noChangeArrowheads="1" noChangeShapeType="1" noTextEdit="1"/>
+          </p:cNvSpPr>
+          <p:nvPr>
+            <p:extLst>
+              <p:ext uri="{386F3935-93C4-4BCD-93E2-E3B085C9AB24}">
+                <p16:designElem xmlns:p16="http://schemas.microsoft.com/office/powerpoint/2015/main" val="1"/>
+              </p:ext>
+            </p:extLst>
+          </p:nvPr>
+        </p:nvSpPr>
+        <p:spPr bwMode="ltGray">
+          <a:xfrm>
+            <a:off x="396882" y="280374"/>
+            <a:ext cx="11438793" cy="1844256"/>
+          </a:xfrm>
+          <a:prstGeom prst="rect">
+            <a:avLst/>
+          </a:prstGeom>
+          <a:solidFill>
+            <a:srgbClr val="404040"/>
+          </a:solidFill>
+          <a:ln w="127000" cap="sq" cmpd="thinThick">
+            <a:solidFill>
+              <a:srgbClr val="404040"/>
+            </a:solidFill>
+          </a:ln>
+        </p:spPr>
+        <p:style>
+          <a:lnRef idx="2">
+            <a:schemeClr val="accent1">
+              <a:shade val="50000"/>
+            </a:schemeClr>
+          </a:lnRef>
+          <a:fillRef idx="1">
+            <a:schemeClr val="accent1"/>
+          </a:fillRef>
+          <a:effectRef idx="0">
+            <a:schemeClr val="accent1"/>
+          </a:effectRef>
+          <a:fontRef idx="minor">
+            <a:schemeClr val="lt1"/>
+          </a:fontRef>
+        </p:style>
+        <p:txBody>
+          <a:bodyPr rtlCol="0" anchor="ctr"/>
+          <a:lstStyle/>
+          <a:p>
+            <a:pPr algn="ctr"/>
+            <a:endParaRPr lang="en-US"/>
+          </a:p>
+        </p:txBody>
+      </p:sp>
+      <p:sp>
+        <p:nvSpPr>
           <p:cNvPr id="2" name="Title 1">
             <a:extLst>
               <a:ext uri="{FF2B5EF4-FFF2-40B4-BE49-F238E27FC236}">
@@ -3857,71 +4282,194 @@
             <p:ph type="title"/>
           </p:nvPr>
         </p:nvSpPr>
-        <p:spPr/>
-        <p:txBody>
-          <a:bodyPr/>
-          <a:lstStyle/>
-          <a:p>
-            <a:r>
-              <a:rPr lang="en-US" dirty="0" err="1"/>
-              <a:t>B.d.</a:t>
-            </a:r>
-            <a:r>
-              <a:rPr lang="en-US" dirty="0"/>
-              <a:t> Time to Resolve Page Faults</a:t>
-            </a:r>
-          </a:p>
-        </p:txBody>
-      </p:sp>
-      <p:sp>
-        <p:nvSpPr>
-          <p:cNvPr id="3" name="Content Placeholder 2">
-            <a:extLst>
-              <a:ext uri="{FF2B5EF4-FFF2-40B4-BE49-F238E27FC236}">
-                <a16:creationId xmlns:a16="http://schemas.microsoft.com/office/drawing/2014/main" id="{AA278D1E-81E4-884E-9698-14DABBA6AC4C}"/>
-              </a:ext>
-            </a:extLst>
-          </p:cNvPr>
-          <p:cNvSpPr>
-            <a:spLocks noGrp="1"/>
-          </p:cNvSpPr>
-          <p:nvPr>
-            <p:ph idx="1"/>
-          </p:nvPr>
-        </p:nvSpPr>
-        <p:spPr/>
-        <p:txBody>
-          <a:bodyPr/>
-          <a:lstStyle/>
-          <a:p>
-            <a:r>
-              <a:rPr lang="en-US" dirty="0"/>
-              <a:t>Include</a:t>
-            </a:r>
-          </a:p>
-          <a:p>
-            <a:pPr lvl="1"/>
-            <a:r>
-              <a:rPr lang="en-US" dirty="0"/>
-              <a:t>Histogram of time to resolve minor page faults</a:t>
-            </a:r>
-          </a:p>
-          <a:p>
-            <a:pPr lvl="1"/>
-            <a:r>
-              <a:rPr lang="en-US" dirty="0"/>
-              <a:t>Histogram of time to resolve major page faults</a:t>
-            </a:r>
-          </a:p>
-          <a:p>
-            <a:pPr lvl="1"/>
-            <a:r>
-              <a:rPr lang="en-US" dirty="0"/>
-              <a:t>Table with mean and standard deviations of times to resolve page faults for each process, separated by fault severity (i.e. major or minor)</a:t>
-            </a:r>
-          </a:p>
-        </p:txBody>
-      </p:sp>
+        <p:spPr>
+          <a:xfrm>
+            <a:off x="546351" y="433545"/>
+            <a:ext cx="11139854" cy="930447"/>
+          </a:xfrm>
+        </p:spPr>
+        <p:txBody>
+          <a:bodyPr vert="horz" lIns="91440" tIns="45720" rIns="91440" bIns="45720" rtlCol="0" anchor="b">
+            <a:normAutofit/>
+          </a:bodyPr>
+          <a:lstStyle/>
+          <a:p>
+            <a:pPr algn="ctr"/>
+            <a:r>
+              <a:rPr lang="en-US" sz="5400">
+                <a:solidFill>
+                  <a:srgbClr val="FFFFFF"/>
+                </a:solidFill>
+              </a:rPr>
+              <a:t>B.d. Time to Resolve Page Faults</a:t>
+            </a:r>
+          </a:p>
+        </p:txBody>
+      </p:sp>
+      <p:cxnSp>
+        <p:nvCxnSpPr>
+          <p:cNvPr id="14" name="Straight Connector 13">
+            <a:extLst>
+              <a:ext uri="{FF2B5EF4-FFF2-40B4-BE49-F238E27FC236}">
+                <a16:creationId xmlns:a16="http://schemas.microsoft.com/office/drawing/2014/main" id="{7E7C77BC-7138-40B1-A15B-20F57A494629}"/>
+              </a:ext>
+              <a:ext uri="{C183D7F6-B498-43B3-948B-1728B52AA6E4}">
+                <adec:decorative xmlns:adec="http://schemas.microsoft.com/office/drawing/2017/decorative" val="1"/>
+              </a:ext>
+            </a:extLst>
+          </p:cNvPr>
+          <p:cNvCxnSpPr>
+            <a:cxnSpLocks noGrp="1" noRot="1" noChangeAspect="1" noMove="1" noResize="1" noEditPoints="1" noAdjustHandles="1" noChangeArrowheads="1" noChangeShapeType="1"/>
+          </p:cNvCxnSpPr>
+          <p:nvPr>
+            <p:extLst>
+              <p:ext uri="{386F3935-93C4-4BCD-93E2-E3B085C9AB24}">
+                <p16:designElem xmlns:p16="http://schemas.microsoft.com/office/powerpoint/2015/main" val="1"/>
+              </p:ext>
+            </p:extLst>
+          </p:nvPr>
+        </p:nvCxnSpPr>
+        <p:spPr>
+          <a:xfrm>
+            <a:off x="2230078" y="1522292"/>
+            <a:ext cx="7772400" cy="0"/>
+          </a:xfrm>
+          <a:prstGeom prst="line">
+            <a:avLst/>
+          </a:prstGeom>
+          <a:ln w="22225">
+            <a:solidFill>
+              <a:srgbClr val="D9D9D9"/>
+            </a:solidFill>
+          </a:ln>
+        </p:spPr>
+        <p:style>
+          <a:lnRef idx="1">
+            <a:schemeClr val="accent1"/>
+          </a:lnRef>
+          <a:fillRef idx="0">
+            <a:schemeClr val="accent1"/>
+          </a:fillRef>
+          <a:effectRef idx="0">
+            <a:schemeClr val="accent1"/>
+          </a:effectRef>
+          <a:fontRef idx="minor">
+            <a:schemeClr val="tx1"/>
+          </a:fontRef>
+        </p:style>
+      </p:cxnSp>
+      <p:pic>
+        <p:nvPicPr>
+          <p:cNvPr id="5" name="Picture 4" descr="A screenshot of a cell phone&#10;&#10;Description automatically generated">
+            <a:extLst>
+              <a:ext uri="{FF2B5EF4-FFF2-40B4-BE49-F238E27FC236}">
+                <a16:creationId xmlns:a16="http://schemas.microsoft.com/office/drawing/2014/main" id="{EFE2BC15-F1EC-FF46-B45C-570C9CB5DE9E}"/>
+              </a:ext>
+            </a:extLst>
+          </p:cNvPr>
+          <p:cNvPicPr>
+            <a:picLocks noChangeAspect="1"/>
+          </p:cNvPicPr>
+          <p:nvPr/>
+        </p:nvPicPr>
+        <p:blipFill>
+          <a:blip r:embed="rId2"/>
+          <a:stretch>
+            <a:fillRect/>
+          </a:stretch>
+        </p:blipFill>
+        <p:spPr>
+          <a:xfrm>
+            <a:off x="1525433" y="2426818"/>
+            <a:ext cx="3068185" cy="3997637"/>
+          </a:xfrm>
+          <a:prstGeom prst="rect">
+            <a:avLst/>
+          </a:prstGeom>
+        </p:spPr>
+      </p:pic>
+      <p:cxnSp>
+        <p:nvCxnSpPr>
+          <p:cNvPr id="16" name="Straight Connector 15">
+            <a:extLst>
+              <a:ext uri="{FF2B5EF4-FFF2-40B4-BE49-F238E27FC236}">
+                <a16:creationId xmlns:a16="http://schemas.microsoft.com/office/drawing/2014/main" id="{DB146403-F3D6-484B-B2ED-97F9565D0370}"/>
+              </a:ext>
+              <a:ext uri="{C183D7F6-B498-43B3-948B-1728B52AA6E4}">
+                <adec:decorative xmlns:adec="http://schemas.microsoft.com/office/drawing/2017/decorative" val="1"/>
+              </a:ext>
+            </a:extLst>
+          </p:cNvPr>
+          <p:cNvCxnSpPr>
+            <a:cxnSpLocks noGrp="1" noRot="1" noChangeAspect="1" noMove="1" noResize="1" noEditPoints="1" noAdjustHandles="1" noChangeArrowheads="1" noChangeShapeType="1"/>
+          </p:cNvCxnSpPr>
+          <p:nvPr>
+            <p:extLst>
+              <p:ext uri="{386F3935-93C4-4BCD-93E2-E3B085C9AB24}">
+                <p16:designElem xmlns:p16="http://schemas.microsoft.com/office/powerpoint/2015/main" val="1"/>
+              </p:ext>
+            </p:extLst>
+          </p:nvPr>
+        </p:nvCxnSpPr>
+        <p:spPr>
+          <a:xfrm>
+            <a:off x="6116278" y="2596836"/>
+            <a:ext cx="0" cy="3657600"/>
+          </a:xfrm>
+          <a:prstGeom prst="line">
+            <a:avLst/>
+          </a:prstGeom>
+          <a:ln w="101600" cmpd="dbl">
+            <a:solidFill>
+              <a:srgbClr val="595959"/>
+            </a:solidFill>
+          </a:ln>
+        </p:spPr>
+        <p:style>
+          <a:lnRef idx="1">
+            <a:schemeClr val="accent1"/>
+          </a:lnRef>
+          <a:fillRef idx="0">
+            <a:schemeClr val="accent1"/>
+          </a:fillRef>
+          <a:effectRef idx="0">
+            <a:schemeClr val="accent1"/>
+          </a:effectRef>
+          <a:fontRef idx="minor">
+            <a:schemeClr val="tx1"/>
+          </a:fontRef>
+        </p:style>
+      </p:cxnSp>
+      <p:pic>
+        <p:nvPicPr>
+          <p:cNvPr id="7" name="Picture 6" descr="A screenshot of a cell phone&#10;&#10;Description automatically generated">
+            <a:extLst>
+              <a:ext uri="{FF2B5EF4-FFF2-40B4-BE49-F238E27FC236}">
+                <a16:creationId xmlns:a16="http://schemas.microsoft.com/office/drawing/2014/main" id="{F3B97126-FE42-C24C-90D1-460E3FA520F9}"/>
+              </a:ext>
+            </a:extLst>
+          </p:cNvPr>
+          <p:cNvPicPr>
+            <a:picLocks noChangeAspect="1"/>
+          </p:cNvPicPr>
+          <p:nvPr/>
+        </p:nvPicPr>
+        <p:blipFill>
+          <a:blip r:embed="rId3"/>
+          <a:stretch>
+            <a:fillRect/>
+          </a:stretch>
+        </p:blipFill>
+        <p:spPr>
+          <a:xfrm>
+            <a:off x="7638939" y="2426818"/>
+            <a:ext cx="3068185" cy="3997637"/>
+          </a:xfrm>
+          <a:prstGeom prst="rect">
+            <a:avLst/>
+          </a:prstGeom>
+        </p:spPr>
+      </p:pic>
     </p:spTree>
     <p:extLst>
       <p:ext uri="{BB962C8B-B14F-4D97-AF65-F5344CB8AC3E}">
@@ -3968,7 +4516,12 @@
             <p:ph type="title"/>
           </p:nvPr>
         </p:nvSpPr>
-        <p:spPr/>
+        <p:spPr>
+          <a:xfrm>
+            <a:off x="838200" y="179410"/>
+            <a:ext cx="10515600" cy="1325563"/>
+          </a:xfrm>
+        </p:spPr>
         <p:txBody>
           <a:bodyPr/>
           <a:lstStyle/>
@@ -3980,34 +4533,716 @@
           </a:p>
         </p:txBody>
       </p:sp>
-      <p:sp>
-        <p:nvSpPr>
-          <p:cNvPr id="3" name="Content Placeholder 2">
-            <a:extLst>
-              <a:ext uri="{FF2B5EF4-FFF2-40B4-BE49-F238E27FC236}">
-                <a16:creationId xmlns:a16="http://schemas.microsoft.com/office/drawing/2014/main" id="{AA278D1E-81E4-884E-9698-14DABBA6AC4C}"/>
-              </a:ext>
-            </a:extLst>
-          </p:cNvPr>
-          <p:cNvSpPr>
-            <a:spLocks noGrp="1"/>
-          </p:cNvSpPr>
-          <p:nvPr>
-            <p:ph idx="1"/>
-          </p:nvPr>
-        </p:nvSpPr>
-        <p:spPr/>
-        <p:txBody>
-          <a:bodyPr/>
-          <a:lstStyle/>
-          <a:p>
-            <a:r>
-              <a:rPr lang="en-US" dirty="0"/>
-              <a:t>List the priors for all the classes</a:t>
-            </a:r>
-          </a:p>
-        </p:txBody>
-      </p:sp>
+      <p:graphicFrame>
+        <p:nvGraphicFramePr>
+          <p:cNvPr id="7" name="Table 6">
+            <a:extLst>
+              <a:ext uri="{FF2B5EF4-FFF2-40B4-BE49-F238E27FC236}">
+                <a16:creationId xmlns:a16="http://schemas.microsoft.com/office/drawing/2014/main" id="{1F3ED774-D212-2344-AA12-76B61CB47221}"/>
+              </a:ext>
+            </a:extLst>
+          </p:cNvPr>
+          <p:cNvGraphicFramePr>
+            <a:graphicFrameLocks noGrp="1"/>
+          </p:cNvGraphicFramePr>
+          <p:nvPr>
+            <p:extLst>
+              <p:ext uri="{D42A27DB-BD31-4B8C-83A1-F6EECF244321}">
+                <p14:modId xmlns:p14="http://schemas.microsoft.com/office/powerpoint/2010/main" val="1918472426"/>
+              </p:ext>
+            </p:extLst>
+          </p:nvPr>
+        </p:nvGraphicFramePr>
+        <p:xfrm>
+          <a:off x="1580586" y="1344698"/>
+          <a:ext cx="8720882" cy="5333892"/>
+        </p:xfrm>
+        <a:graphic>
+          <a:graphicData uri="http://schemas.openxmlformats.org/drawingml/2006/table">
+            <a:tbl>
+              <a:tblPr firstRow="1" bandRow="1">
+                <a:tableStyleId>{C083E6E3-FA7D-4D7B-A595-EF9225AFEA82}</a:tableStyleId>
+              </a:tblPr>
+              <a:tblGrid>
+                <a:gridCol w="4360441">
+                  <a:extLst>
+                    <a:ext uri="{9D8B030D-6E8A-4147-A177-3AD203B41FA5}">
+                      <a16:colId xmlns:a16="http://schemas.microsoft.com/office/drawing/2014/main" val="1979257676"/>
+                    </a:ext>
+                  </a:extLst>
+                </a:gridCol>
+                <a:gridCol w="4360441">
+                  <a:extLst>
+                    <a:ext uri="{9D8B030D-6E8A-4147-A177-3AD203B41FA5}">
+                      <a16:colId xmlns:a16="http://schemas.microsoft.com/office/drawing/2014/main" val="2443408237"/>
+                    </a:ext>
+                  </a:extLst>
+                </a:gridCol>
+              </a:tblGrid>
+              <a:tr h="444491">
+                <a:tc>
+                  <a:txBody>
+                    <a:bodyPr/>
+                    <a:lstStyle/>
+                    <a:p>
+                      <a:pPr algn="ctr" fontAlgn="b"/>
+                      <a:r>
+                        <a:rPr lang="en-US" sz="1600" b="0" u="none" strike="noStrike" dirty="0">
+                          <a:effectLst/>
+                        </a:rPr>
+                        <a:t>'</a:t>
+                      </a:r>
+                      <a:r>
+                        <a:rPr lang="en-US" sz="1600" b="0" u="none" strike="noStrike" dirty="0" err="1">
+                          <a:effectLst/>
+                        </a:rPr>
+                        <a:t>firefox</a:t>
+                      </a:r>
+                      <a:r>
+                        <a:rPr lang="en-US" sz="1600" b="0" u="none" strike="noStrike" dirty="0">
+                          <a:effectLst/>
+                        </a:rPr>
+                        <a:t>':</a:t>
+                      </a:r>
+                      <a:endParaRPr lang="en-US" sz="1600" b="0" i="0" u="none" strike="noStrike" dirty="0">
+                        <a:solidFill>
+                          <a:srgbClr val="000000"/>
+                        </a:solidFill>
+                        <a:effectLst/>
+                        <a:latin typeface="Courier New" panose="02070309020205020404" pitchFamily="49" charset="0"/>
+                      </a:endParaRPr>
+                    </a:p>
+                  </a:txBody>
+                  <a:tcPr marL="9525" marR="9525" marT="9525" marB="0" anchor="b"/>
+                </a:tc>
+                <a:tc>
+                  <a:txBody>
+                    <a:bodyPr/>
+                    <a:lstStyle/>
+                    <a:p>
+                      <a:pPr algn="ctr" fontAlgn="b"/>
+                      <a:r>
+                        <a:rPr lang="en-US" sz="1600" b="0" u="none" strike="noStrike">
+                          <a:effectLst/>
+                        </a:rPr>
+                        <a:t>0.08294107937664348,</a:t>
+                      </a:r>
+                      <a:endParaRPr lang="en-US" sz="1600" b="0" i="0" u="none" strike="noStrike">
+                        <a:solidFill>
+                          <a:srgbClr val="000000"/>
+                        </a:solidFill>
+                        <a:effectLst/>
+                        <a:latin typeface="Calibri" panose="020F0502020204030204" pitchFamily="34" charset="0"/>
+                      </a:endParaRPr>
+                    </a:p>
+                  </a:txBody>
+                  <a:tcPr marL="9525" marR="9525" marT="9525" marB="0" anchor="b"/>
+                </a:tc>
+                <a:extLst>
+                  <a:ext uri="{0D108BD9-81ED-4DB2-BD59-A6C34878D82A}">
+                    <a16:rowId xmlns:a16="http://schemas.microsoft.com/office/drawing/2014/main" val="2569358616"/>
+                  </a:ext>
+                </a:extLst>
+              </a:tr>
+              <a:tr h="444491">
+                <a:tc>
+                  <a:txBody>
+                    <a:bodyPr/>
+                    <a:lstStyle/>
+                    <a:p>
+                      <a:pPr algn="ctr" fontAlgn="b"/>
+                      <a:r>
+                        <a:rPr lang="en-US" sz="1600" b="0" u="none" strike="noStrike">
+                          <a:effectLst/>
+                        </a:rPr>
+                        <a:t>'thunderbird':</a:t>
+                      </a:r>
+                      <a:endParaRPr lang="en-US" sz="1600" b="0" i="0" u="none" strike="noStrike">
+                        <a:solidFill>
+                          <a:srgbClr val="000000"/>
+                        </a:solidFill>
+                        <a:effectLst/>
+                        <a:latin typeface="Calibri" panose="020F0502020204030204" pitchFamily="34" charset="0"/>
+                      </a:endParaRPr>
+                    </a:p>
+                  </a:txBody>
+                  <a:tcPr marL="9525" marR="9525" marT="9525" marB="0" anchor="b"/>
+                </a:tc>
+                <a:tc>
+                  <a:txBody>
+                    <a:bodyPr/>
+                    <a:lstStyle/>
+                    <a:p>
+                      <a:pPr algn="ctr" fontAlgn="b"/>
+                      <a:r>
+                        <a:rPr lang="en-US" sz="1600" b="0" u="none" strike="noStrike">
+                          <a:effectLst/>
+                        </a:rPr>
+                        <a:t>0.08451199244140381,</a:t>
+                      </a:r>
+                      <a:endParaRPr lang="en-US" sz="1600" b="0" i="0" u="none" strike="noStrike">
+                        <a:solidFill>
+                          <a:srgbClr val="000000"/>
+                        </a:solidFill>
+                        <a:effectLst/>
+                        <a:latin typeface="Calibri" panose="020F0502020204030204" pitchFamily="34" charset="0"/>
+                      </a:endParaRPr>
+                    </a:p>
+                  </a:txBody>
+                  <a:tcPr marL="9525" marR="9525" marT="9525" marB="0" anchor="b"/>
+                </a:tc>
+                <a:extLst>
+                  <a:ext uri="{0D108BD9-81ED-4DB2-BD59-A6C34878D82A}">
+                    <a16:rowId xmlns:a16="http://schemas.microsoft.com/office/drawing/2014/main" val="3877151863"/>
+                  </a:ext>
+                </a:extLst>
+              </a:tr>
+              <a:tr h="444491">
+                <a:tc>
+                  <a:txBody>
+                    <a:bodyPr/>
+                    <a:lstStyle/>
+                    <a:p>
+                      <a:pPr algn="ctr" fontAlgn="b"/>
+                      <a:r>
+                        <a:rPr lang="en-US" sz="1600" b="0" u="none" strike="noStrike">
+                          <a:effectLst/>
+                        </a:rPr>
+                        <a:t>'watchdog':</a:t>
+                      </a:r>
+                      <a:endParaRPr lang="en-US" sz="1600" b="0" i="0" u="none" strike="noStrike">
+                        <a:solidFill>
+                          <a:srgbClr val="000000"/>
+                        </a:solidFill>
+                        <a:effectLst/>
+                        <a:latin typeface="Calibri" panose="020F0502020204030204" pitchFamily="34" charset="0"/>
+                      </a:endParaRPr>
+                    </a:p>
+                  </a:txBody>
+                  <a:tcPr marL="9525" marR="9525" marT="9525" marB="0" anchor="b"/>
+                </a:tc>
+                <a:tc>
+                  <a:txBody>
+                    <a:bodyPr/>
+                    <a:lstStyle/>
+                    <a:p>
+                      <a:pPr algn="ctr" fontAlgn="b"/>
+                      <a:r>
+                        <a:rPr lang="en-US" sz="1600" b="0" u="none" strike="noStrike">
+                          <a:effectLst/>
+                        </a:rPr>
+                        <a:t>0.08372369005202226,</a:t>
+                      </a:r>
+                      <a:endParaRPr lang="en-US" sz="1600" b="0" i="0" u="none" strike="noStrike">
+                        <a:solidFill>
+                          <a:srgbClr val="000000"/>
+                        </a:solidFill>
+                        <a:effectLst/>
+                        <a:latin typeface="Calibri" panose="020F0502020204030204" pitchFamily="34" charset="0"/>
+                      </a:endParaRPr>
+                    </a:p>
+                  </a:txBody>
+                  <a:tcPr marL="9525" marR="9525" marT="9525" marB="0" anchor="b"/>
+                </a:tc>
+                <a:extLst>
+                  <a:ext uri="{0D108BD9-81ED-4DB2-BD59-A6C34878D82A}">
+                    <a16:rowId xmlns:a16="http://schemas.microsoft.com/office/drawing/2014/main" val="1802866194"/>
+                  </a:ext>
+                </a:extLst>
+              </a:tr>
+              <a:tr h="444491">
+                <a:tc>
+                  <a:txBody>
+                    <a:bodyPr/>
+                    <a:lstStyle/>
+                    <a:p>
+                      <a:pPr algn="ctr" fontAlgn="b"/>
+                      <a:r>
+                        <a:rPr lang="en-US" sz="1600" b="0" u="none" strike="noStrike" dirty="0">
+                          <a:effectLst/>
+                        </a:rPr>
+                        <a:t>'</a:t>
+                      </a:r>
+                      <a:r>
+                        <a:rPr lang="en-US" sz="1600" b="0" u="none" strike="noStrike" dirty="0" err="1">
+                          <a:effectLst/>
+                        </a:rPr>
+                        <a:t>auditd</a:t>
+                      </a:r>
+                      <a:r>
+                        <a:rPr lang="en-US" sz="1600" b="0" u="none" strike="noStrike" dirty="0">
+                          <a:effectLst/>
+                        </a:rPr>
+                        <a:t>':</a:t>
+                      </a:r>
+                      <a:endParaRPr lang="en-US" sz="1600" b="0" i="0" u="none" strike="noStrike" dirty="0">
+                        <a:solidFill>
+                          <a:srgbClr val="000000"/>
+                        </a:solidFill>
+                        <a:effectLst/>
+                        <a:latin typeface="Calibri" panose="020F0502020204030204" pitchFamily="34" charset="0"/>
+                      </a:endParaRPr>
+                    </a:p>
+                  </a:txBody>
+                  <a:tcPr marL="9525" marR="9525" marT="9525" marB="0" anchor="b"/>
+                </a:tc>
+                <a:tc>
+                  <a:txBody>
+                    <a:bodyPr/>
+                    <a:lstStyle/>
+                    <a:p>
+                      <a:pPr algn="ctr" fontAlgn="b"/>
+                      <a:r>
+                        <a:rPr lang="en-US" sz="1600" b="0" u="none" strike="noStrike">
+                          <a:effectLst/>
+                        </a:rPr>
+                        <a:t>0.08137016631188317,</a:t>
+                      </a:r>
+                      <a:endParaRPr lang="en-US" sz="1600" b="0" i="0" u="none" strike="noStrike">
+                        <a:solidFill>
+                          <a:srgbClr val="000000"/>
+                        </a:solidFill>
+                        <a:effectLst/>
+                        <a:latin typeface="Calibri" panose="020F0502020204030204" pitchFamily="34" charset="0"/>
+                      </a:endParaRPr>
+                    </a:p>
+                  </a:txBody>
+                  <a:tcPr marL="9525" marR="9525" marT="9525" marB="0" anchor="b"/>
+                </a:tc>
+                <a:extLst>
+                  <a:ext uri="{0D108BD9-81ED-4DB2-BD59-A6C34878D82A}">
+                    <a16:rowId xmlns:a16="http://schemas.microsoft.com/office/drawing/2014/main" val="133814084"/>
+                  </a:ext>
+                </a:extLst>
+              </a:tr>
+              <a:tr h="444491">
+                <a:tc>
+                  <a:txBody>
+                    <a:bodyPr/>
+                    <a:lstStyle/>
+                    <a:p>
+                      <a:pPr algn="ctr" fontAlgn="b"/>
+                      <a:r>
+                        <a:rPr lang="en-US" sz="1600" b="0" u="none" strike="noStrike">
+                          <a:effectLst/>
+                        </a:rPr>
+                        <a:t>'subl':</a:t>
+                      </a:r>
+                      <a:endParaRPr lang="en-US" sz="1600" b="0" i="0" u="none" strike="noStrike">
+                        <a:solidFill>
+                          <a:srgbClr val="000000"/>
+                        </a:solidFill>
+                        <a:effectLst/>
+                        <a:latin typeface="Calibri" panose="020F0502020204030204" pitchFamily="34" charset="0"/>
+                      </a:endParaRPr>
+                    </a:p>
+                  </a:txBody>
+                  <a:tcPr marL="9525" marR="9525" marT="9525" marB="0" anchor="b"/>
+                </a:tc>
+                <a:tc>
+                  <a:txBody>
+                    <a:bodyPr/>
+                    <a:lstStyle/>
+                    <a:p>
+                      <a:pPr algn="ctr" fontAlgn="b"/>
+                      <a:r>
+                        <a:rPr lang="en-US" sz="1600" b="0" u="none" strike="noStrike">
+                          <a:effectLst/>
+                        </a:rPr>
+                        <a:t>0.08786014320352431,</a:t>
+                      </a:r>
+                      <a:endParaRPr lang="en-US" sz="1600" b="0" i="0" u="none" strike="noStrike">
+                        <a:solidFill>
+                          <a:srgbClr val="000000"/>
+                        </a:solidFill>
+                        <a:effectLst/>
+                        <a:latin typeface="Calibri" panose="020F0502020204030204" pitchFamily="34" charset="0"/>
+                      </a:endParaRPr>
+                    </a:p>
+                  </a:txBody>
+                  <a:tcPr marL="9525" marR="9525" marT="9525" marB="0" anchor="b"/>
+                </a:tc>
+                <a:extLst>
+                  <a:ext uri="{0D108BD9-81ED-4DB2-BD59-A6C34878D82A}">
+                    <a16:rowId xmlns:a16="http://schemas.microsoft.com/office/drawing/2014/main" val="722613590"/>
+                  </a:ext>
+                </a:extLst>
+              </a:tr>
+              <a:tr h="444491">
+                <a:tc>
+                  <a:txBody>
+                    <a:bodyPr/>
+                    <a:lstStyle/>
+                    <a:p>
+                      <a:pPr algn="ctr" fontAlgn="b"/>
+                      <a:r>
+                        <a:rPr lang="en-US" sz="1600" b="0" u="none" strike="noStrike">
+                          <a:effectLst/>
+                        </a:rPr>
+                        <a:t>'gitlab-runner':</a:t>
+                      </a:r>
+                      <a:endParaRPr lang="en-US" sz="1600" b="0" i="0" u="none" strike="noStrike">
+                        <a:solidFill>
+                          <a:srgbClr val="000000"/>
+                        </a:solidFill>
+                        <a:effectLst/>
+                        <a:latin typeface="Calibri" panose="020F0502020204030204" pitchFamily="34" charset="0"/>
+                      </a:endParaRPr>
+                    </a:p>
+                  </a:txBody>
+                  <a:tcPr marL="9525" marR="9525" marT="9525" marB="0" anchor="b"/>
+                </a:tc>
+                <a:tc>
+                  <a:txBody>
+                    <a:bodyPr/>
+                    <a:lstStyle/>
+                    <a:p>
+                      <a:pPr algn="ctr" fontAlgn="b"/>
+                      <a:r>
+                        <a:rPr lang="en-US" sz="1600" b="0" u="none" strike="noStrike">
+                          <a:effectLst/>
+                        </a:rPr>
+                        <a:t>0.07761078921306362,</a:t>
+                      </a:r>
+                      <a:endParaRPr lang="en-US" sz="1600" b="0" i="0" u="none" strike="noStrike">
+                        <a:solidFill>
+                          <a:srgbClr val="000000"/>
+                        </a:solidFill>
+                        <a:effectLst/>
+                        <a:latin typeface="Calibri" panose="020F0502020204030204" pitchFamily="34" charset="0"/>
+                      </a:endParaRPr>
+                    </a:p>
+                  </a:txBody>
+                  <a:tcPr marL="9525" marR="9525" marT="9525" marB="0" anchor="b"/>
+                </a:tc>
+                <a:extLst>
+                  <a:ext uri="{0D108BD9-81ED-4DB2-BD59-A6C34878D82A}">
+                    <a16:rowId xmlns:a16="http://schemas.microsoft.com/office/drawing/2014/main" val="3641758432"/>
+                  </a:ext>
+                </a:extLst>
+              </a:tr>
+              <a:tr h="444491">
+                <a:tc>
+                  <a:txBody>
+                    <a:bodyPr/>
+                    <a:lstStyle/>
+                    <a:p>
+                      <a:pPr algn="ctr" fontAlgn="b"/>
+                      <a:r>
+                        <a:rPr lang="en-US" sz="1600" b="0" u="none" strike="noStrike">
+                          <a:effectLst/>
+                        </a:rPr>
+                        <a:t>'sshd':</a:t>
+                      </a:r>
+                      <a:endParaRPr lang="en-US" sz="1600" b="0" i="0" u="none" strike="noStrike">
+                        <a:solidFill>
+                          <a:srgbClr val="000000"/>
+                        </a:solidFill>
+                        <a:effectLst/>
+                        <a:latin typeface="Calibri" panose="020F0502020204030204" pitchFamily="34" charset="0"/>
+                      </a:endParaRPr>
+                    </a:p>
+                  </a:txBody>
+                  <a:tcPr marL="9525" marR="9525" marT="9525" marB="0" anchor="b"/>
+                </a:tc>
+                <a:tc>
+                  <a:txBody>
+                    <a:bodyPr/>
+                    <a:lstStyle/>
+                    <a:p>
+                      <a:pPr algn="ctr" fontAlgn="b"/>
+                      <a:r>
+                        <a:rPr lang="en-US" sz="1600" b="0" u="none" strike="noStrike">
+                          <a:effectLst/>
+                        </a:rPr>
+                        <a:t>0.08782456999100709,</a:t>
+                      </a:r>
+                      <a:endParaRPr lang="en-US" sz="1600" b="0" i="0" u="none" strike="noStrike">
+                        <a:solidFill>
+                          <a:srgbClr val="000000"/>
+                        </a:solidFill>
+                        <a:effectLst/>
+                        <a:latin typeface="Calibri" panose="020F0502020204030204" pitchFamily="34" charset="0"/>
+                      </a:endParaRPr>
+                    </a:p>
+                  </a:txBody>
+                  <a:tcPr marL="9525" marR="9525" marT="9525" marB="0" anchor="b"/>
+                </a:tc>
+                <a:extLst>
+                  <a:ext uri="{0D108BD9-81ED-4DB2-BD59-A6C34878D82A}">
+                    <a16:rowId xmlns:a16="http://schemas.microsoft.com/office/drawing/2014/main" val="2642969277"/>
+                  </a:ext>
+                </a:extLst>
+              </a:tr>
+              <a:tr h="444491">
+                <a:tc>
+                  <a:txBody>
+                    <a:bodyPr/>
+                    <a:lstStyle/>
+                    <a:p>
+                      <a:pPr algn="ctr" fontAlgn="b"/>
+                      <a:r>
+                        <a:rPr lang="en-US" sz="1600" b="0" u="none" strike="noStrike" dirty="0">
+                          <a:effectLst/>
+                        </a:rPr>
+                        <a:t>'google-chrome':</a:t>
+                      </a:r>
+                      <a:endParaRPr lang="en-US" sz="1600" b="0" i="0" u="none" strike="noStrike" dirty="0">
+                        <a:solidFill>
+                          <a:srgbClr val="000000"/>
+                        </a:solidFill>
+                        <a:effectLst/>
+                        <a:latin typeface="Calibri" panose="020F0502020204030204" pitchFamily="34" charset="0"/>
+                      </a:endParaRPr>
+                    </a:p>
+                  </a:txBody>
+                  <a:tcPr marL="9525" marR="9525" marT="9525" marB="0" anchor="b"/>
+                </a:tc>
+                <a:tc>
+                  <a:txBody>
+                    <a:bodyPr/>
+                    <a:lstStyle/>
+                    <a:p>
+                      <a:pPr algn="ctr" fontAlgn="b"/>
+                      <a:r>
+                        <a:rPr lang="en-US" sz="1600" b="0" u="none" strike="noStrike">
+                          <a:effectLst/>
+                        </a:rPr>
+                        <a:t>0.08480084692704361,</a:t>
+                      </a:r>
+                      <a:endParaRPr lang="en-US" sz="1600" b="0" i="0" u="none" strike="noStrike">
+                        <a:solidFill>
+                          <a:srgbClr val="000000"/>
+                        </a:solidFill>
+                        <a:effectLst/>
+                        <a:latin typeface="Calibri" panose="020F0502020204030204" pitchFamily="34" charset="0"/>
+                      </a:endParaRPr>
+                    </a:p>
+                  </a:txBody>
+                  <a:tcPr marL="9525" marR="9525" marT="9525" marB="0" anchor="b"/>
+                </a:tc>
+                <a:extLst>
+                  <a:ext uri="{0D108BD9-81ED-4DB2-BD59-A6C34878D82A}">
+                    <a16:rowId xmlns:a16="http://schemas.microsoft.com/office/drawing/2014/main" val="3963126520"/>
+                  </a:ext>
+                </a:extLst>
+              </a:tr>
+              <a:tr h="444491">
+                <a:tc>
+                  <a:txBody>
+                    <a:bodyPr/>
+                    <a:lstStyle/>
+                    <a:p>
+                      <a:pPr algn="ctr" fontAlgn="b"/>
+                      <a:r>
+                        <a:rPr lang="en-US" sz="1600" b="0" u="none" strike="noStrike">
+                          <a:effectLst/>
+                        </a:rPr>
+                        <a:t>'bash':</a:t>
+                      </a:r>
+                      <a:endParaRPr lang="en-US" sz="1600" b="0" i="0" u="none" strike="noStrike">
+                        <a:solidFill>
+                          <a:srgbClr val="000000"/>
+                        </a:solidFill>
+                        <a:effectLst/>
+                        <a:latin typeface="Calibri" panose="020F0502020204030204" pitchFamily="34" charset="0"/>
+                      </a:endParaRPr>
+                    </a:p>
+                  </a:txBody>
+                  <a:tcPr marL="9525" marR="9525" marT="9525" marB="0" anchor="b"/>
+                </a:tc>
+                <a:tc>
+                  <a:txBody>
+                    <a:bodyPr/>
+                    <a:lstStyle/>
+                    <a:p>
+                      <a:pPr algn="ctr" fontAlgn="b"/>
+                      <a:r>
+                        <a:rPr lang="en-US" sz="1600" b="0" u="none" strike="noStrike" dirty="0">
+                          <a:effectLst/>
+                        </a:rPr>
+                        <a:t>0.08171451500904983,</a:t>
+                      </a:r>
+                      <a:endParaRPr lang="en-US" sz="1600" b="0" i="0" u="none" strike="noStrike" dirty="0">
+                        <a:solidFill>
+                          <a:srgbClr val="000000"/>
+                        </a:solidFill>
+                        <a:effectLst/>
+                        <a:latin typeface="Calibri" panose="020F0502020204030204" pitchFamily="34" charset="0"/>
+                      </a:endParaRPr>
+                    </a:p>
+                  </a:txBody>
+                  <a:tcPr marL="9525" marR="9525" marT="9525" marB="0" anchor="b"/>
+                </a:tc>
+                <a:extLst>
+                  <a:ext uri="{0D108BD9-81ED-4DB2-BD59-A6C34878D82A}">
+                    <a16:rowId xmlns:a16="http://schemas.microsoft.com/office/drawing/2014/main" val="587135027"/>
+                  </a:ext>
+                </a:extLst>
+              </a:tr>
+              <a:tr h="444491">
+                <a:tc>
+                  <a:txBody>
+                    <a:bodyPr/>
+                    <a:lstStyle/>
+                    <a:p>
+                      <a:pPr algn="ctr" fontAlgn="b"/>
+                      <a:r>
+                        <a:rPr lang="en-US" sz="1600" b="0" u="none" strike="noStrike">
+                          <a:effectLst/>
+                        </a:rPr>
+                        <a:t>'tmux':</a:t>
+                      </a:r>
+                      <a:endParaRPr lang="en-US" sz="1600" b="0" i="0" u="none" strike="noStrike">
+                        <a:solidFill>
+                          <a:srgbClr val="000000"/>
+                        </a:solidFill>
+                        <a:effectLst/>
+                        <a:latin typeface="Calibri" panose="020F0502020204030204" pitchFamily="34" charset="0"/>
+                      </a:endParaRPr>
+                    </a:p>
+                  </a:txBody>
+                  <a:tcPr marL="9525" marR="9525" marT="9525" marB="0" anchor="b"/>
+                </a:tc>
+                <a:tc>
+                  <a:txBody>
+                    <a:bodyPr/>
+                    <a:lstStyle/>
+                    <a:p>
+                      <a:pPr algn="ctr" fontAlgn="b"/>
+                      <a:r>
+                        <a:rPr lang="en-US" sz="1600" b="0" u="none" strike="noStrike">
+                          <a:effectLst/>
+                        </a:rPr>
+                        <a:t>0.0777786947761449,</a:t>
+                      </a:r>
+                      <a:endParaRPr lang="en-US" sz="1600" b="0" i="0" u="none" strike="noStrike">
+                        <a:solidFill>
+                          <a:srgbClr val="000000"/>
+                        </a:solidFill>
+                        <a:effectLst/>
+                        <a:latin typeface="Calibri" panose="020F0502020204030204" pitchFamily="34" charset="0"/>
+                      </a:endParaRPr>
+                    </a:p>
+                  </a:txBody>
+                  <a:tcPr marL="9525" marR="9525" marT="9525" marB="0" anchor="b"/>
+                </a:tc>
+                <a:extLst>
+                  <a:ext uri="{0D108BD9-81ED-4DB2-BD59-A6C34878D82A}">
+                    <a16:rowId xmlns:a16="http://schemas.microsoft.com/office/drawing/2014/main" val="2165542637"/>
+                  </a:ext>
+                </a:extLst>
+              </a:tr>
+              <a:tr h="444491">
+                <a:tc>
+                  <a:txBody>
+                    <a:bodyPr/>
+                    <a:lstStyle/>
+                    <a:p>
+                      <a:pPr algn="ctr" fontAlgn="b"/>
+                      <a:r>
+                        <a:rPr lang="en-US" sz="1600" b="0" u="none" strike="noStrike">
+                          <a:effectLst/>
+                        </a:rPr>
+                        <a:t>'xorg':</a:t>
+                      </a:r>
+                      <a:endParaRPr lang="en-US" sz="1600" b="0" i="0" u="none" strike="noStrike">
+                        <a:solidFill>
+                          <a:srgbClr val="000000"/>
+                        </a:solidFill>
+                        <a:effectLst/>
+                        <a:latin typeface="Calibri" panose="020F0502020204030204" pitchFamily="34" charset="0"/>
+                      </a:endParaRPr>
+                    </a:p>
+                  </a:txBody>
+                  <a:tcPr marL="9525" marR="9525" marT="9525" marB="0" anchor="b"/>
+                </a:tc>
+                <a:tc>
+                  <a:txBody>
+                    <a:bodyPr/>
+                    <a:lstStyle/>
+                    <a:p>
+                      <a:pPr algn="ctr" fontAlgn="b"/>
+                      <a:r>
+                        <a:rPr lang="en-US" sz="1600" b="0" u="none" strike="noStrike">
+                          <a:effectLst/>
+                        </a:rPr>
+                        <a:t>0.08690108939406013,</a:t>
+                      </a:r>
+                      <a:endParaRPr lang="en-US" sz="1600" b="0" i="0" u="none" strike="noStrike">
+                        <a:solidFill>
+                          <a:srgbClr val="000000"/>
+                        </a:solidFill>
+                        <a:effectLst/>
+                        <a:latin typeface="Calibri" panose="020F0502020204030204" pitchFamily="34" charset="0"/>
+                      </a:endParaRPr>
+                    </a:p>
+                  </a:txBody>
+                  <a:tcPr marL="9525" marR="9525" marT="9525" marB="0" anchor="b"/>
+                </a:tc>
+                <a:extLst>
+                  <a:ext uri="{0D108BD9-81ED-4DB2-BD59-A6C34878D82A}">
+                    <a16:rowId xmlns:a16="http://schemas.microsoft.com/office/drawing/2014/main" val="782240169"/>
+                  </a:ext>
+                </a:extLst>
+              </a:tr>
+              <a:tr h="444491">
+                <a:tc>
+                  <a:txBody>
+                    <a:bodyPr/>
+                    <a:lstStyle/>
+                    <a:p>
+                      <a:pPr algn="ctr" fontAlgn="b"/>
+                      <a:r>
+                        <a:rPr lang="en-US" sz="1600" b="0" u="none" strike="noStrike">
+                          <a:effectLst/>
+                        </a:rPr>
+                        <a:t>'htop':</a:t>
+                      </a:r>
+                      <a:endParaRPr lang="en-US" sz="1600" b="0" i="0" u="none" strike="noStrike">
+                        <a:solidFill>
+                          <a:srgbClr val="000000"/>
+                        </a:solidFill>
+                        <a:effectLst/>
+                        <a:latin typeface="Calibri" panose="020F0502020204030204" pitchFamily="34" charset="0"/>
+                      </a:endParaRPr>
+                    </a:p>
+                  </a:txBody>
+                  <a:tcPr marL="9525" marR="9525" marT="9525" marB="0" anchor="b"/>
+                </a:tc>
+                <a:tc>
+                  <a:txBody>
+                    <a:bodyPr/>
+                    <a:lstStyle/>
+                    <a:p>
+                      <a:pPr algn="ctr" fontAlgn="b"/>
+                      <a:r>
+                        <a:rPr lang="en-US" sz="1600" b="0" u="none" strike="noStrike" dirty="0">
+                          <a:effectLst/>
+                        </a:rPr>
+                        <a:t>0.08296242</a:t>
+                      </a:r>
+                      <a:endParaRPr lang="en-US" sz="1600" b="0" i="0" u="none" strike="noStrike" dirty="0">
+                        <a:solidFill>
+                          <a:srgbClr val="000000"/>
+                        </a:solidFill>
+                        <a:effectLst/>
+                        <a:latin typeface="Calibri" panose="020F0502020204030204" pitchFamily="34" charset="0"/>
+                      </a:endParaRPr>
+                    </a:p>
+                  </a:txBody>
+                  <a:tcPr marL="9525" marR="9525" marT="9525" marB="0" anchor="b"/>
+                </a:tc>
+                <a:extLst>
+                  <a:ext uri="{0D108BD9-81ED-4DB2-BD59-A6C34878D82A}">
+                    <a16:rowId xmlns:a16="http://schemas.microsoft.com/office/drawing/2014/main" val="3067466811"/>
+                  </a:ext>
+                </a:extLst>
+              </a:tr>
+            </a:tbl>
+          </a:graphicData>
+        </a:graphic>
+      </p:graphicFrame>
     </p:spTree>
     <p:extLst>
       <p:ext uri="{BB962C8B-B14F-4D97-AF65-F5344CB8AC3E}">
@@ -4101,9 +5336,56 @@
           </a:p>
           <a:p>
             <a:r>
+              <a:rPr lang="en-US" b="1" dirty="0"/>
+              <a:t>Process that is likely to occur: </a:t>
+            </a:r>
+            <a:r>
+              <a:rPr lang="en-US" b="1" dirty="0" err="1">
+                <a:solidFill>
+                  <a:srgbClr val="FF0000"/>
+                </a:solidFill>
+              </a:rPr>
+              <a:t>subl</a:t>
+            </a:r>
+            <a:r>
+              <a:rPr lang="en-US" b="1" dirty="0"/>
+              <a:t> , 0.0921</a:t>
+            </a:r>
+          </a:p>
+          <a:p>
+            <a:r>
               <a:rPr lang="en-US" dirty="0"/>
               <a:t>Given that the page fault was from a read access, which process was it most likely caused by?</a:t>
             </a:r>
+          </a:p>
+          <a:p>
+            <a:r>
+              <a:rPr lang="en-US" b="1" dirty="0"/>
+              <a:t>Process that is likely to occur: </a:t>
+            </a:r>
+            <a:r>
+              <a:rPr lang="en-US" b="1" dirty="0" err="1">
+                <a:solidFill>
+                  <a:srgbClr val="FF0000"/>
+                </a:solidFill>
+              </a:rPr>
+              <a:t>subl</a:t>
+            </a:r>
+            <a:r>
+              <a:rPr lang="en-US" b="1" dirty="0">
+                <a:solidFill>
+                  <a:srgbClr val="FF0000"/>
+                </a:solidFill>
+              </a:rPr>
+              <a:t> </a:t>
+            </a:r>
+            <a:r>
+              <a:rPr lang="en-US" b="1" dirty="0"/>
+              <a:t>, 0.0923</a:t>
+            </a:r>
+          </a:p>
+          <a:p>
+            <a:endParaRPr lang="en-US" dirty="0"/>
           </a:p>
         </p:txBody>
       </p:sp>
@@ -4196,13 +5478,20 @@
             </a:r>
             <a:r>
               <a:rPr lang="en-US" dirty="0"/>
-              <a:t>) severity and (ii) </a:t>
-            </a:r>
-            <a:r>
-              <a:rPr lang="en-US"/>
-              <a:t>access type.</a:t>
-            </a:r>
+              <a:t>) severity and (ii) access type.</a:t>
+            </a:r>
+          </a:p>
+          <a:p>
             <a:endParaRPr lang="en-US" dirty="0"/>
+          </a:p>
+          <a:p>
+            <a:pPr marL="0" indent="0">
+              <a:buNone/>
+            </a:pPr>
+            <a:r>
+              <a:rPr lang="en-US" dirty="0"/>
+              <a:t>Ans) We would use Naive Bayes Classifier for classifying. It is a decent first estimate considering the fact: independence of read/write operations and type of fault (major/minor)</a:t>
+            </a:r>
           </a:p>
         </p:txBody>
       </p:sp>
